--- a/dotnet-containers-at-caseys.pptx
+++ b/dotnet-containers-at-caseys.pptx
@@ -7,7 +7,7 @@
     <p:sldMasterId id="2147483674" r:id="rId3"/>
   </p:sldMasterIdLst>
   <p:notesMasterIdLst>
-    <p:notesMasterId r:id="rId16"/>
+    <p:notesMasterId r:id="rId17"/>
   </p:notesMasterIdLst>
   <p:sldIdLst>
     <p:sldId id="256" r:id="rId4"/>
@@ -21,24 +21,25 @@
     <p:sldId id="279" r:id="rId12"/>
     <p:sldId id="269" r:id="rId13"/>
     <p:sldId id="262" r:id="rId14"/>
-    <p:sldId id="263" r:id="rId15"/>
+    <p:sldId id="280" r:id="rId15"/>
+    <p:sldId id="263" r:id="rId16"/>
   </p:sldIdLst>
   <p:sldSz cx="12192000" cy="6858000"/>
   <p:notesSz cx="6858000" cy="9144000"/>
   <p:embeddedFontLst>
     <p:embeddedFont>
       <p:font typeface="Consolas" panose="020B0609020204030204" pitchFamily="49" charset="0"/>
-      <p:regular r:id="rId17"/>
-      <p:bold r:id="rId18"/>
-      <p:italic r:id="rId19"/>
-      <p:boldItalic r:id="rId20"/>
+      <p:regular r:id="rId18"/>
+      <p:bold r:id="rId19"/>
+      <p:italic r:id="rId20"/>
+      <p:boldItalic r:id="rId21"/>
     </p:embeddedFont>
     <p:embeddedFont>
       <p:font typeface="Open Sans" panose="020B0606030504020204" pitchFamily="34" charset="0"/>
-      <p:regular r:id="rId21"/>
-      <p:bold r:id="rId22"/>
-      <p:italic r:id="rId23"/>
-      <p:boldItalic r:id="rId24"/>
+      <p:regular r:id="rId22"/>
+      <p:bold r:id="rId23"/>
+      <p:italic r:id="rId24"/>
+      <p:boldItalic r:id="rId25"/>
     </p:embeddedFont>
   </p:embeddedFontLst>
   <p:defaultTextStyle>
@@ -13360,6 +13361,90 @@
 </p:notes>
 </file>
 
+<file path=ppt/notesSlides/notesSlide3.xml><?xml version="1.0" encoding="utf-8"?>
+<p:notes xmlns:a="http://schemas.openxmlformats.org/drawingml/2006/main" xmlns:r="http://schemas.openxmlformats.org/officeDocument/2006/relationships" xmlns:p="http://schemas.openxmlformats.org/presentationml/2006/main">
+  <p:cSld>
+    <p:spTree>
+      <p:nvGrpSpPr>
+        <p:cNvPr id="1" name=""/>
+        <p:cNvGrpSpPr/>
+        <p:nvPr/>
+      </p:nvGrpSpPr>
+      <p:grpSpPr>
+        <a:xfrm>
+          <a:off x="0" y="0"/>
+          <a:ext cx="0" cy="0"/>
+          <a:chOff x="0" y="0"/>
+          <a:chExt cx="0" cy="0"/>
+        </a:xfrm>
+      </p:grpSpPr>
+      <p:sp>
+        <p:nvSpPr>
+          <p:cNvPr id="2" name="Slide Image Placeholder 1"/>
+          <p:cNvSpPr>
+            <a:spLocks noGrp="1" noRot="1" noChangeAspect="1"/>
+          </p:cNvSpPr>
+          <p:nvPr>
+            <p:ph type="sldImg"/>
+          </p:nvPr>
+        </p:nvSpPr>
+        <p:spPr/>
+      </p:sp>
+      <p:sp>
+        <p:nvSpPr>
+          <p:cNvPr id="3" name="Notes Placeholder 2"/>
+          <p:cNvSpPr>
+            <a:spLocks noGrp="1"/>
+          </p:cNvSpPr>
+          <p:nvPr>
+            <p:ph type="body" idx="1"/>
+          </p:nvPr>
+        </p:nvSpPr>
+        <p:spPr/>
+        <p:txBody>
+          <a:bodyPr/>
+          <a:lstStyle/>
+          <a:p>
+            <a:endParaRPr lang="en-US" dirty="0"/>
+          </a:p>
+        </p:txBody>
+      </p:sp>
+      <p:sp>
+        <p:nvSpPr>
+          <p:cNvPr id="4" name="Slide Number Placeholder 3"/>
+          <p:cNvSpPr>
+            <a:spLocks noGrp="1"/>
+          </p:cNvSpPr>
+          <p:nvPr>
+            <p:ph type="sldNum" sz="quarter" idx="5"/>
+          </p:nvPr>
+        </p:nvSpPr>
+        <p:spPr/>
+        <p:txBody>
+          <a:bodyPr/>
+          <a:lstStyle/>
+          <a:p>
+            <a:fld id="{6409B41D-FDCA-43B1-933F-D9917097DF27}" type="slidenum">
+              <a:rPr lang="en-US" smtClean="0"/>
+              <a:t>12</a:t>
+            </a:fld>
+            <a:endParaRPr lang="en-US"/>
+          </a:p>
+        </p:txBody>
+      </p:sp>
+    </p:spTree>
+    <p:extLst>
+      <p:ext uri="{BB962C8B-B14F-4D97-AF65-F5344CB8AC3E}">
+        <p14:creationId xmlns:p14="http://schemas.microsoft.com/office/powerpoint/2010/main" val="3819784991"/>
+      </p:ext>
+    </p:extLst>
+  </p:cSld>
+  <p:clrMapOvr>
+    <a:masterClrMapping/>
+  </p:clrMapOvr>
+</p:notes>
+</file>
+
 <file path=ppt/slideLayouts/slideLayout1.xml><?xml version="1.0" encoding="utf-8"?>
 <p:sldLayout xmlns:a="http://schemas.openxmlformats.org/drawingml/2006/main" xmlns:r="http://schemas.openxmlformats.org/officeDocument/2006/relationships" xmlns:p="http://schemas.openxmlformats.org/presentationml/2006/main" type="title" preserve="1">
   <p:cSld name="Title Slide">
@@ -26452,6 +26537,304 @@
           <p:cNvPr id="2" name="Title 1">
             <a:extLst>
               <a:ext uri="{FF2B5EF4-FFF2-40B4-BE49-F238E27FC236}">
+                <a16:creationId xmlns:a16="http://schemas.microsoft.com/office/drawing/2014/main" id="{5B5BBB90-B9FF-ED4A-9587-76C518C2BC9E}"/>
+              </a:ext>
+            </a:extLst>
+          </p:cNvPr>
+          <p:cNvSpPr>
+            <a:spLocks noGrp="1"/>
+          </p:cNvSpPr>
+          <p:nvPr>
+            <p:ph type="title"/>
+          </p:nvPr>
+        </p:nvSpPr>
+        <p:spPr/>
+        <p:txBody>
+          <a:bodyPr/>
+          <a:lstStyle/>
+          <a:p>
+            <a:r>
+              <a:rPr lang="en-US" dirty="0"/>
+              <a:t>Additional Resources</a:t>
+            </a:r>
+          </a:p>
+        </p:txBody>
+      </p:sp>
+      <p:sp>
+        <p:nvSpPr>
+          <p:cNvPr id="3" name="Content Placeholder 2">
+            <a:extLst>
+              <a:ext uri="{FF2B5EF4-FFF2-40B4-BE49-F238E27FC236}">
+                <a16:creationId xmlns:a16="http://schemas.microsoft.com/office/drawing/2014/main" id="{395CC549-1EA2-8B4A-ADC1-C00428D83849}"/>
+              </a:ext>
+            </a:extLst>
+          </p:cNvPr>
+          <p:cNvSpPr>
+            <a:spLocks noGrp="1"/>
+          </p:cNvSpPr>
+          <p:nvPr>
+            <p:ph idx="1"/>
+          </p:nvPr>
+        </p:nvSpPr>
+        <p:spPr>
+          <a:xfrm>
+            <a:off x="838200" y="1825625"/>
+            <a:ext cx="10515600" cy="4430320"/>
+          </a:xfrm>
+        </p:spPr>
+        <p:txBody>
+          <a:bodyPr>
+            <a:normAutofit/>
+          </a:bodyPr>
+          <a:lstStyle/>
+          <a:p>
+            <a:r>
+              <a:rPr lang="en-US" dirty="0"/>
+              <a:t>DevOps project has a repo called DevOps-</a:t>
+            </a:r>
+            <a:r>
+              <a:rPr lang="en-US" dirty="0" err="1"/>
+              <a:t>IACTemplates</a:t>
+            </a:r>
+            <a:r>
+              <a:rPr lang="en-US" dirty="0"/>
+              <a:t> with examples</a:t>
+            </a:r>
+          </a:p>
+          <a:p>
+            <a:r>
+              <a:rPr lang="en-US" dirty="0"/>
+              <a:t>Microsoft documentation is great</a:t>
+            </a:r>
+          </a:p>
+          <a:p>
+            <a:r>
+              <a:rPr lang="en-US" dirty="0"/>
+              <a:t>TestContainers.NET – use C# </a:t>
+            </a:r>
+            <a:r>
+              <a:rPr lang="en-US"/>
+              <a:t>to build and use </a:t>
+            </a:r>
+            <a:r>
+              <a:rPr lang="en-US" dirty="0"/>
+              <a:t>your images</a:t>
+            </a:r>
+          </a:p>
+        </p:txBody>
+      </p:sp>
+    </p:spTree>
+    <p:extLst>
+      <p:ext uri="{BB962C8B-B14F-4D97-AF65-F5344CB8AC3E}">
+        <p14:creationId xmlns:p14="http://schemas.microsoft.com/office/powerpoint/2010/main" val="4212999445"/>
+      </p:ext>
+    </p:extLst>
+  </p:cSld>
+  <p:clrMapOvr>
+    <a:masterClrMapping/>
+  </p:clrMapOvr>
+  <p:timing>
+    <p:tnLst>
+      <p:par>
+        <p:cTn id="1" dur="indefinite" restart="never" nodeType="tmRoot">
+          <p:childTnLst>
+            <p:seq concurrent="1" nextAc="seek">
+              <p:cTn id="2" dur="indefinite" nodeType="mainSeq">
+                <p:childTnLst>
+                  <p:par>
+                    <p:cTn id="3" fill="hold">
+                      <p:stCondLst>
+                        <p:cond delay="indefinite"/>
+                      </p:stCondLst>
+                      <p:childTnLst>
+                        <p:par>
+                          <p:cTn id="4" fill="hold">
+                            <p:stCondLst>
+                              <p:cond delay="0"/>
+                            </p:stCondLst>
+                            <p:childTnLst>
+                              <p:par>
+                                <p:cTn id="5" presetID="1" presetClass="entr" presetSubtype="0" fill="hold" nodeType="clickEffect">
+                                  <p:stCondLst>
+                                    <p:cond delay="0"/>
+                                  </p:stCondLst>
+                                  <p:childTnLst>
+                                    <p:set>
+                                      <p:cBhvr>
+                                        <p:cTn id="6" dur="1" fill="hold">
+                                          <p:stCondLst>
+                                            <p:cond delay="0"/>
+                                          </p:stCondLst>
+                                        </p:cTn>
+                                        <p:tgtEl>
+                                          <p:spTgt spid="3">
+                                            <p:txEl>
+                                              <p:pRg st="0" end="0"/>
+                                            </p:txEl>
+                                          </p:spTgt>
+                                        </p:tgtEl>
+                                        <p:attrNameLst>
+                                          <p:attrName>style.visibility</p:attrName>
+                                        </p:attrNameLst>
+                                      </p:cBhvr>
+                                      <p:to>
+                                        <p:strVal val="visible"/>
+                                      </p:to>
+                                    </p:set>
+                                  </p:childTnLst>
+                                </p:cTn>
+                              </p:par>
+                            </p:childTnLst>
+                          </p:cTn>
+                        </p:par>
+                      </p:childTnLst>
+                    </p:cTn>
+                  </p:par>
+                  <p:par>
+                    <p:cTn id="7" fill="hold">
+                      <p:stCondLst>
+                        <p:cond delay="indefinite"/>
+                      </p:stCondLst>
+                      <p:childTnLst>
+                        <p:par>
+                          <p:cTn id="8" fill="hold">
+                            <p:stCondLst>
+                              <p:cond delay="0"/>
+                            </p:stCondLst>
+                            <p:childTnLst>
+                              <p:par>
+                                <p:cTn id="9" presetID="1" presetClass="entr" presetSubtype="0" fill="hold" nodeType="clickEffect">
+                                  <p:stCondLst>
+                                    <p:cond delay="0"/>
+                                  </p:stCondLst>
+                                  <p:childTnLst>
+                                    <p:set>
+                                      <p:cBhvr>
+                                        <p:cTn id="10" dur="1" fill="hold">
+                                          <p:stCondLst>
+                                            <p:cond delay="0"/>
+                                          </p:stCondLst>
+                                        </p:cTn>
+                                        <p:tgtEl>
+                                          <p:spTgt spid="3">
+                                            <p:txEl>
+                                              <p:pRg st="1" end="1"/>
+                                            </p:txEl>
+                                          </p:spTgt>
+                                        </p:tgtEl>
+                                        <p:attrNameLst>
+                                          <p:attrName>style.visibility</p:attrName>
+                                        </p:attrNameLst>
+                                      </p:cBhvr>
+                                      <p:to>
+                                        <p:strVal val="visible"/>
+                                      </p:to>
+                                    </p:set>
+                                  </p:childTnLst>
+                                </p:cTn>
+                              </p:par>
+                            </p:childTnLst>
+                          </p:cTn>
+                        </p:par>
+                      </p:childTnLst>
+                    </p:cTn>
+                  </p:par>
+                  <p:par>
+                    <p:cTn id="11" fill="hold">
+                      <p:stCondLst>
+                        <p:cond delay="indefinite"/>
+                      </p:stCondLst>
+                      <p:childTnLst>
+                        <p:par>
+                          <p:cTn id="12" fill="hold">
+                            <p:stCondLst>
+                              <p:cond delay="0"/>
+                            </p:stCondLst>
+                            <p:childTnLst>
+                              <p:par>
+                                <p:cTn id="13" presetID="1" presetClass="entr" presetSubtype="0" fill="hold" nodeType="clickEffect">
+                                  <p:stCondLst>
+                                    <p:cond delay="0"/>
+                                  </p:stCondLst>
+                                  <p:childTnLst>
+                                    <p:set>
+                                      <p:cBhvr>
+                                        <p:cTn id="14" dur="1" fill="hold">
+                                          <p:stCondLst>
+                                            <p:cond delay="0"/>
+                                          </p:stCondLst>
+                                        </p:cTn>
+                                        <p:tgtEl>
+                                          <p:spTgt spid="3">
+                                            <p:txEl>
+                                              <p:pRg st="2" end="2"/>
+                                            </p:txEl>
+                                          </p:spTgt>
+                                        </p:tgtEl>
+                                        <p:attrNameLst>
+                                          <p:attrName>style.visibility</p:attrName>
+                                        </p:attrNameLst>
+                                      </p:cBhvr>
+                                      <p:to>
+                                        <p:strVal val="visible"/>
+                                      </p:to>
+                                    </p:set>
+                                  </p:childTnLst>
+                                </p:cTn>
+                              </p:par>
+                            </p:childTnLst>
+                          </p:cTn>
+                        </p:par>
+                      </p:childTnLst>
+                    </p:cTn>
+                  </p:par>
+                </p:childTnLst>
+              </p:cTn>
+              <p:prevCondLst>
+                <p:cond evt="onPrev" delay="0">
+                  <p:tgtEl>
+                    <p:sldTgt/>
+                  </p:tgtEl>
+                </p:cond>
+              </p:prevCondLst>
+              <p:nextCondLst>
+                <p:cond evt="onNext" delay="0">
+                  <p:tgtEl>
+                    <p:sldTgt/>
+                  </p:tgtEl>
+                </p:cond>
+              </p:nextCondLst>
+            </p:seq>
+          </p:childTnLst>
+        </p:cTn>
+      </p:par>
+    </p:tnLst>
+  </p:timing>
+</p:sld>
+</file>
+
+<file path=ppt/slides/slide13.xml><?xml version="1.0" encoding="utf-8"?>
+<p:sld xmlns:a="http://schemas.openxmlformats.org/drawingml/2006/main" xmlns:r="http://schemas.openxmlformats.org/officeDocument/2006/relationships" xmlns:p="http://schemas.openxmlformats.org/presentationml/2006/main">
+  <p:cSld>
+    <p:spTree>
+      <p:nvGrpSpPr>
+        <p:cNvPr id="1" name=""/>
+        <p:cNvGrpSpPr/>
+        <p:nvPr/>
+      </p:nvGrpSpPr>
+      <p:grpSpPr>
+        <a:xfrm>
+          <a:off x="0" y="0"/>
+          <a:ext cx="0" cy="0"/>
+          <a:chOff x="0" y="0"/>
+          <a:chExt cx="0" cy="0"/>
+        </a:xfrm>
+      </p:grpSpPr>
+      <p:sp>
+        <p:nvSpPr>
+          <p:cNvPr id="2" name="Title 1">
+            <a:extLst>
+              <a:ext uri="{FF2B5EF4-FFF2-40B4-BE49-F238E27FC236}">
                 <a16:creationId xmlns:a16="http://schemas.microsoft.com/office/drawing/2014/main" id="{029FE3FC-D1E2-764E-8278-BB37780282A6}"/>
               </a:ext>
             </a:extLst>

--- a/dotnet-containers-at-caseys.pptx
+++ b/dotnet-containers-at-caseys.pptx
@@ -12908,7 +12908,7 @@
           <a:p>
             <a:fld id="{465617F5-B8A8-4920-A027-58AC05A68123}" type="datetimeFigureOut">
               <a:rPr lang="en-US" smtClean="0"/>
-              <a:t>10/28/2024</a:t>
+              <a:t>10/31/2024</a:t>
             </a:fld>
             <a:endParaRPr lang="en-US"/>
           </a:p>
@@ -13305,8 +13305,13 @@
           <a:p>
             <a:r>
               <a:rPr lang="en-US" dirty="0"/>
-              <a:t>- Need to learn a new DSL, versus using a GPL.</a:t>
+              <a:t>- Need to learn a new DSL, versus using a GPL you’re </a:t>
             </a:r>
+            <a:r>
+              <a:rPr lang="en-US"/>
+              <a:t>already familiar with.</a:t>
+            </a:r>
+            <a:endParaRPr lang="en-US" dirty="0"/>
           </a:p>
           <a:p>
             <a:r>
@@ -13321,7 +13326,14 @@
             </a:r>
           </a:p>
           <a:p>
-            <a:endParaRPr lang="en-US" dirty="0"/>
+            <a:pPr marL="0" indent="0">
+              <a:buFontTx/>
+              <a:buNone/>
+            </a:pPr>
+            <a:r>
+              <a:rPr lang="en-US" dirty="0"/>
+              <a:t>- Command does some optional but nice things at the docker level</a:t>
+            </a:r>
           </a:p>
         </p:txBody>
       </p:sp>
@@ -13362,6 +13374,97 @@
 </file>
 
 <file path=ppt/notesSlides/notesSlide3.xml><?xml version="1.0" encoding="utf-8"?>
+<p:notes xmlns:a="http://schemas.openxmlformats.org/drawingml/2006/main" xmlns:r="http://schemas.openxmlformats.org/officeDocument/2006/relationships" xmlns:p="http://schemas.openxmlformats.org/presentationml/2006/main">
+  <p:cSld>
+    <p:spTree>
+      <p:nvGrpSpPr>
+        <p:cNvPr id="1" name=""/>
+        <p:cNvGrpSpPr/>
+        <p:nvPr/>
+      </p:nvGrpSpPr>
+      <p:grpSpPr>
+        <a:xfrm>
+          <a:off x="0" y="0"/>
+          <a:ext cx="0" cy="0"/>
+          <a:chOff x="0" y="0"/>
+          <a:chExt cx="0" cy="0"/>
+        </a:xfrm>
+      </p:grpSpPr>
+      <p:sp>
+        <p:nvSpPr>
+          <p:cNvPr id="2" name="Slide Image Placeholder 1"/>
+          <p:cNvSpPr>
+            <a:spLocks noGrp="1" noRot="1" noChangeAspect="1"/>
+          </p:cNvSpPr>
+          <p:nvPr>
+            <p:ph type="sldImg"/>
+          </p:nvPr>
+        </p:nvSpPr>
+        <p:spPr/>
+      </p:sp>
+      <p:sp>
+        <p:nvSpPr>
+          <p:cNvPr id="3" name="Notes Placeholder 2"/>
+          <p:cNvSpPr>
+            <a:spLocks noGrp="1"/>
+          </p:cNvSpPr>
+          <p:nvPr>
+            <p:ph type="body" idx="1"/>
+          </p:nvPr>
+        </p:nvSpPr>
+        <p:spPr/>
+        <p:txBody>
+          <a:bodyPr/>
+          <a:lstStyle/>
+          <a:p>
+            <a:r>
+              <a:rPr lang="en-US" dirty="0"/>
+              <a:t>Whenever you push an image it </a:t>
+            </a:r>
+            <a:r>
+              <a:rPr lang="en-US"/>
+              <a:t>also updates :latest</a:t>
+            </a:r>
+          </a:p>
+        </p:txBody>
+      </p:sp>
+      <p:sp>
+        <p:nvSpPr>
+          <p:cNvPr id="4" name="Slide Number Placeholder 3"/>
+          <p:cNvSpPr>
+            <a:spLocks noGrp="1"/>
+          </p:cNvSpPr>
+          <p:nvPr>
+            <p:ph type="sldNum" sz="quarter" idx="5"/>
+          </p:nvPr>
+        </p:nvSpPr>
+        <p:spPr/>
+        <p:txBody>
+          <a:bodyPr/>
+          <a:lstStyle/>
+          <a:p>
+            <a:fld id="{6409B41D-FDCA-43B1-933F-D9917097DF27}" type="slidenum">
+              <a:rPr lang="en-US" smtClean="0"/>
+              <a:t>8</a:t>
+            </a:fld>
+            <a:endParaRPr lang="en-US"/>
+          </a:p>
+        </p:txBody>
+      </p:sp>
+    </p:spTree>
+    <p:extLst>
+      <p:ext uri="{BB962C8B-B14F-4D97-AF65-F5344CB8AC3E}">
+        <p14:creationId xmlns:p14="http://schemas.microsoft.com/office/powerpoint/2010/main" val="1440166919"/>
+      </p:ext>
+    </p:extLst>
+  </p:cSld>
+  <p:clrMapOvr>
+    <a:masterClrMapping/>
+  </p:clrMapOvr>
+</p:notes>
+</file>
+
+<file path=ppt/notesSlides/notesSlide4.xml><?xml version="1.0" encoding="utf-8"?>
 <p:notes xmlns:a="http://schemas.openxmlformats.org/drawingml/2006/main" xmlns:r="http://schemas.openxmlformats.org/officeDocument/2006/relationships" xmlns:p="http://schemas.openxmlformats.org/presentationml/2006/main">
   <p:cSld>
     <p:spTree>
@@ -13592,7 +13695,7 @@
           <a:p>
             <a:fld id="{0A627400-D089-7447-864B-77479EBD4214}" type="datetimeFigureOut">
               <a:rPr lang="en-US" smtClean="0"/>
-              <a:t>10/28/2024</a:t>
+              <a:t>10/31/2024</a:t>
             </a:fld>
             <a:endParaRPr lang="en-US"/>
           </a:p>
@@ -13705,7 +13808,7 @@
           <a:p>
             <a:fld id="{0A627400-D089-7447-864B-77479EBD4214}" type="datetimeFigureOut">
               <a:rPr lang="en-US" smtClean="0"/>
-              <a:t>10/28/2024</a:t>
+              <a:t>10/31/2024</a:t>
             </a:fld>
             <a:endParaRPr lang="en-US"/>
           </a:p>
@@ -14016,7 +14119,7 @@
           <a:p>
             <a:fld id="{0A627400-D089-7447-864B-77479EBD4214}" type="datetimeFigureOut">
               <a:rPr lang="en-US" smtClean="0"/>
-              <a:t>10/28/2024</a:t>
+              <a:t>10/31/2024</a:t>
             </a:fld>
             <a:endParaRPr lang="en-US"/>
           </a:p>
@@ -14304,7 +14407,7 @@
           <a:p>
             <a:fld id="{0A627400-D089-7447-864B-77479EBD4214}" type="datetimeFigureOut">
               <a:rPr lang="en-US" smtClean="0"/>
-              <a:t>10/28/2024</a:t>
+              <a:t>10/31/2024</a:t>
             </a:fld>
             <a:endParaRPr lang="en-US"/>
           </a:p>
@@ -14524,7 +14627,7 @@
           <a:p>
             <a:fld id="{0A627400-D089-7447-864B-77479EBD4214}" type="datetimeFigureOut">
               <a:rPr lang="en-US" smtClean="0"/>
-              <a:t>10/28/2024</a:t>
+              <a:t>10/31/2024</a:t>
             </a:fld>
             <a:endParaRPr lang="en-US"/>
           </a:p>
@@ -14722,7 +14825,7 @@
           <a:p>
             <a:fld id="{0A627400-D089-7447-864B-77479EBD4214}" type="datetimeFigureOut">
               <a:rPr lang="en-US" smtClean="0"/>
-              <a:t>10/28/2024</a:t>
+              <a:t>10/31/2024</a:t>
             </a:fld>
             <a:endParaRPr lang="en-US"/>
           </a:p>
@@ -14997,7 +15100,7 @@
           <a:p>
             <a:fld id="{0A627400-D089-7447-864B-77479EBD4214}" type="datetimeFigureOut">
               <a:rPr lang="en-US" smtClean="0"/>
-              <a:t>10/28/2024</a:t>
+              <a:t>10/31/2024</a:t>
             </a:fld>
             <a:endParaRPr lang="en-US" dirty="0"/>
           </a:p>
@@ -15265,7 +15368,7 @@
           <a:p>
             <a:fld id="{0A627400-D089-7447-864B-77479EBD4214}" type="datetimeFigureOut">
               <a:rPr lang="en-US" smtClean="0"/>
-              <a:t>10/28/2024</a:t>
+              <a:t>10/31/2024</a:t>
             </a:fld>
             <a:endParaRPr lang="en-US"/>
           </a:p>
@@ -15677,7 +15780,7 @@
           <a:p>
             <a:fld id="{0A627400-D089-7447-864B-77479EBD4214}" type="datetimeFigureOut">
               <a:rPr lang="en-US" smtClean="0"/>
-              <a:t>10/28/2024</a:t>
+              <a:t>10/31/2024</a:t>
             </a:fld>
             <a:endParaRPr lang="en-US"/>
           </a:p>
@@ -15883,7 +15986,7 @@
           <a:p>
             <a:fld id="{0A627400-D089-7447-864B-77479EBD4214}" type="datetimeFigureOut">
               <a:rPr lang="en-US" smtClean="0"/>
-              <a:t>10/28/2024</a:t>
+              <a:t>10/31/2024</a:t>
             </a:fld>
             <a:endParaRPr lang="en-US"/>
           </a:p>
@@ -15997,7 +16100,7 @@
             <a:fld id="{0A627400-D089-7447-864B-77479EBD4214}" type="datetimeFigureOut">
               <a:rPr lang="en-US" smtClean="0"/>
               <a:pPr/>
-              <a:t>10/28/2024</a:t>
+              <a:t>10/31/2024</a:t>
             </a:fld>
             <a:endParaRPr lang="en-US"/>
           </a:p>
@@ -16218,7 +16321,7 @@
           <a:p>
             <a:fld id="{0A627400-D089-7447-864B-77479EBD4214}" type="datetimeFigureOut">
               <a:rPr lang="en-US" smtClean="0"/>
-              <a:t>10/28/2024</a:t>
+              <a:t>10/31/2024</a:t>
             </a:fld>
             <a:endParaRPr lang="en-US"/>
           </a:p>
@@ -16360,7 +16463,7 @@
             <a:fld id="{0A627400-D089-7447-864B-77479EBD4214}" type="datetimeFigureOut">
               <a:rPr lang="en-US" smtClean="0"/>
               <a:pPr/>
-              <a:t>10/28/2024</a:t>
+              <a:t>10/31/2024</a:t>
             </a:fld>
             <a:endParaRPr lang="en-US"/>
           </a:p>
@@ -16524,7 +16627,7 @@
           <a:p>
             <a:fld id="{0A627400-D089-7447-864B-77479EBD4214}" type="datetimeFigureOut">
               <a:rPr lang="en-US" smtClean="0"/>
-              <a:t>10/28/2024</a:t>
+              <a:t>10/31/2024</a:t>
             </a:fld>
             <a:endParaRPr lang="en-US"/>
           </a:p>
@@ -16673,7 +16776,7 @@
           <a:p>
             <a:fld id="{0A627400-D089-7447-864B-77479EBD4214}" type="datetimeFigureOut">
               <a:rPr lang="en-US" smtClean="0"/>
-              <a:t>10/28/2024</a:t>
+              <a:t>10/31/2024</a:t>
             </a:fld>
             <a:endParaRPr lang="en-US"/>
           </a:p>
@@ -17185,7 +17288,7 @@
           <a:p>
             <a:fld id="{0A627400-D089-7447-864B-77479EBD4214}" type="datetimeFigureOut">
               <a:rPr lang="en-US" smtClean="0"/>
-              <a:t>10/28/2024</a:t>
+              <a:t>10/31/2024</a:t>
             </a:fld>
             <a:endParaRPr lang="en-US"/>
           </a:p>
@@ -17496,7 +17599,7 @@
           <a:p>
             <a:fld id="{0A627400-D089-7447-864B-77479EBD4214}" type="datetimeFigureOut">
               <a:rPr lang="en-US" smtClean="0"/>
-              <a:t>10/28/2024</a:t>
+              <a:t>10/31/2024</a:t>
             </a:fld>
             <a:endParaRPr lang="en-US"/>
           </a:p>
@@ -17784,7 +17887,7 @@
           <a:p>
             <a:fld id="{0A627400-D089-7447-864B-77479EBD4214}" type="datetimeFigureOut">
               <a:rPr lang="en-US" smtClean="0"/>
-              <a:t>10/28/2024</a:t>
+              <a:t>10/31/2024</a:t>
             </a:fld>
             <a:endParaRPr lang="en-US"/>
           </a:p>
@@ -18004,7 +18107,7 @@
           <a:p>
             <a:fld id="{0A627400-D089-7447-864B-77479EBD4214}" type="datetimeFigureOut">
               <a:rPr lang="en-US" smtClean="0"/>
-              <a:t>10/28/2024</a:t>
+              <a:t>10/31/2024</a:t>
             </a:fld>
             <a:endParaRPr lang="en-US"/>
           </a:p>
@@ -18202,7 +18305,7 @@
           <a:p>
             <a:fld id="{0A627400-D089-7447-864B-77479EBD4214}" type="datetimeFigureOut">
               <a:rPr lang="en-US" smtClean="0"/>
-              <a:t>10/28/2024</a:t>
+              <a:t>10/31/2024</a:t>
             </a:fld>
             <a:endParaRPr lang="en-US"/>
           </a:p>
@@ -18477,7 +18580,7 @@
           <a:p>
             <a:fld id="{0A627400-D089-7447-864B-77479EBD4214}" type="datetimeFigureOut">
               <a:rPr lang="en-US" smtClean="0"/>
-              <a:t>10/28/2024</a:t>
+              <a:t>10/31/2024</a:t>
             </a:fld>
             <a:endParaRPr lang="en-US"/>
           </a:p>
@@ -18742,7 +18845,7 @@
           <a:p>
             <a:fld id="{0A627400-D089-7447-864B-77479EBD4214}" type="datetimeFigureOut">
               <a:rPr lang="en-US" smtClean="0"/>
-              <a:t>10/28/2024</a:t>
+              <a:t>10/31/2024</a:t>
             </a:fld>
             <a:endParaRPr lang="en-US"/>
           </a:p>
@@ -19015,7 +19118,7 @@
           <a:p>
             <a:fld id="{0A627400-D089-7447-864B-77479EBD4214}" type="datetimeFigureOut">
               <a:rPr lang="en-US" smtClean="0"/>
-              <a:t>10/28/2024</a:t>
+              <a:t>10/31/2024</a:t>
             </a:fld>
             <a:endParaRPr lang="en-US"/>
           </a:p>
@@ -19427,7 +19530,7 @@
           <a:p>
             <a:fld id="{0A627400-D089-7447-864B-77479EBD4214}" type="datetimeFigureOut">
               <a:rPr lang="en-US" smtClean="0"/>
-              <a:t>10/28/2024</a:t>
+              <a:t>10/31/2024</a:t>
             </a:fld>
             <a:endParaRPr lang="en-US"/>
           </a:p>
@@ -19633,7 +19736,7 @@
           <a:p>
             <a:fld id="{0A627400-D089-7447-864B-77479EBD4214}" type="datetimeFigureOut">
               <a:rPr lang="en-US" smtClean="0"/>
-              <a:t>10/28/2024</a:t>
+              <a:t>10/31/2024</a:t>
             </a:fld>
             <a:endParaRPr lang="en-US"/>
           </a:p>
@@ -19747,7 +19850,7 @@
             <a:fld id="{0A627400-D089-7447-864B-77479EBD4214}" type="datetimeFigureOut">
               <a:rPr lang="en-US" smtClean="0"/>
               <a:pPr/>
-              <a:t>10/28/2024</a:t>
+              <a:t>10/31/2024</a:t>
             </a:fld>
             <a:endParaRPr lang="en-US"/>
           </a:p>
@@ -19912,7 +20015,7 @@
             <a:fld id="{0A627400-D089-7447-864B-77479EBD4214}" type="datetimeFigureOut">
               <a:rPr lang="en-US" smtClean="0"/>
               <a:pPr/>
-              <a:t>10/28/2024</a:t>
+              <a:t>10/31/2024</a:t>
             </a:fld>
             <a:endParaRPr lang="en-US"/>
           </a:p>
@@ -20076,7 +20179,7 @@
           <a:p>
             <a:fld id="{0A627400-D089-7447-864B-77479EBD4214}" type="datetimeFigureOut">
               <a:rPr lang="en-US" smtClean="0"/>
-              <a:t>10/28/2024</a:t>
+              <a:t>10/31/2024</a:t>
             </a:fld>
             <a:endParaRPr lang="en-US"/>
           </a:p>
@@ -20189,7 +20292,7 @@
           <a:p>
             <a:fld id="{0A627400-D089-7447-864B-77479EBD4214}" type="datetimeFigureOut">
               <a:rPr lang="en-US" smtClean="0"/>
-              <a:t>10/28/2024</a:t>
+              <a:t>10/31/2024</a:t>
             </a:fld>
             <a:endParaRPr lang="en-US"/>
           </a:p>
@@ -20500,7 +20603,7 @@
           <a:p>
             <a:fld id="{0A627400-D089-7447-864B-77479EBD4214}" type="datetimeFigureOut">
               <a:rPr lang="en-US" smtClean="0"/>
-              <a:t>10/28/2024</a:t>
+              <a:t>10/31/2024</a:t>
             </a:fld>
             <a:endParaRPr lang="en-US"/>
           </a:p>
@@ -20788,7 +20891,7 @@
           <a:p>
             <a:fld id="{0A627400-D089-7447-864B-77479EBD4214}" type="datetimeFigureOut">
               <a:rPr lang="en-US" smtClean="0"/>
-              <a:t>10/28/2024</a:t>
+              <a:t>10/31/2024</a:t>
             </a:fld>
             <a:endParaRPr lang="en-US"/>
           </a:p>
@@ -21053,7 +21156,7 @@
           <a:p>
             <a:fld id="{0A627400-D089-7447-864B-77479EBD4214}" type="datetimeFigureOut">
               <a:rPr lang="en-US" smtClean="0"/>
-              <a:t>10/28/2024</a:t>
+              <a:t>10/31/2024</a:t>
             </a:fld>
             <a:endParaRPr lang="en-US"/>
           </a:p>
@@ -21465,7 +21568,7 @@
           <a:p>
             <a:fld id="{0A627400-D089-7447-864B-77479EBD4214}" type="datetimeFigureOut">
               <a:rPr lang="en-US" smtClean="0"/>
-              <a:t>10/28/2024</a:t>
+              <a:t>10/31/2024</a:t>
             </a:fld>
             <a:endParaRPr lang="en-US"/>
           </a:p>
@@ -21671,7 +21774,7 @@
           <a:p>
             <a:fld id="{0A627400-D089-7447-864B-77479EBD4214}" type="datetimeFigureOut">
               <a:rPr lang="en-US" smtClean="0"/>
-              <a:t>10/28/2024</a:t>
+              <a:t>10/31/2024</a:t>
             </a:fld>
             <a:endParaRPr lang="en-US"/>
           </a:p>
@@ -21785,7 +21888,7 @@
             <a:fld id="{0A627400-D089-7447-864B-77479EBD4214}" type="datetimeFigureOut">
               <a:rPr lang="en-US" smtClean="0"/>
               <a:pPr/>
-              <a:t>10/28/2024</a:t>
+              <a:t>10/31/2024</a:t>
             </a:fld>
             <a:endParaRPr lang="en-US"/>
           </a:p>
@@ -21950,7 +22053,7 @@
             <a:fld id="{0A627400-D089-7447-864B-77479EBD4214}" type="datetimeFigureOut">
               <a:rPr lang="en-US" smtClean="0"/>
               <a:pPr/>
-              <a:t>10/28/2024</a:t>
+              <a:t>10/31/2024</a:t>
             </a:fld>
             <a:endParaRPr lang="en-US"/>
           </a:p>
@@ -22114,7 +22217,7 @@
           <a:p>
             <a:fld id="{0A627400-D089-7447-864B-77479EBD4214}" type="datetimeFigureOut">
               <a:rPr lang="en-US" smtClean="0"/>
-              <a:t>10/28/2024</a:t>
+              <a:t>10/31/2024</a:t>
             </a:fld>
             <a:endParaRPr lang="en-US"/>
           </a:p>
@@ -22357,7 +22460,7 @@
             <a:fld id="{0A627400-D089-7447-864B-77479EBD4214}" type="datetimeFigureOut">
               <a:rPr lang="en-US" smtClean="0"/>
               <a:pPr/>
-              <a:t>10/28/2024</a:t>
+              <a:t>10/31/2024</a:t>
             </a:fld>
             <a:endParaRPr lang="en-US" dirty="0"/>
           </a:p>
@@ -22936,7 +23039,7 @@
             <a:fld id="{0A627400-D089-7447-864B-77479EBD4214}" type="datetimeFigureOut">
               <a:rPr lang="en-US" smtClean="0"/>
               <a:pPr/>
-              <a:t>10/28/2024</a:t>
+              <a:t>10/31/2024</a:t>
             </a:fld>
             <a:endParaRPr lang="en-US" dirty="0"/>
           </a:p>
@@ -23511,7 +23614,7 @@
             <a:fld id="{0A627400-D089-7447-864B-77479EBD4214}" type="datetimeFigureOut">
               <a:rPr lang="en-US" smtClean="0"/>
               <a:pPr/>
-              <a:t>10/28/2024</a:t>
+              <a:t>10/31/2024</a:t>
             </a:fld>
             <a:endParaRPr lang="en-US" dirty="0"/>
           </a:p>
@@ -27484,7 +27587,7 @@
             <a:pPr lvl="1"/>
             <a:r>
               <a:rPr lang="en-US" dirty="0"/>
-              <a:t>Pruning old images</a:t>
+              <a:t>Pruning old images (15 months, last 3 locked images)</a:t>
             </a:r>
           </a:p>
         </p:txBody>
@@ -29467,7 +29570,7 @@
                 <a:latin typeface="Consolas" panose="020B0609020204030204" pitchFamily="49" charset="0"/>
                 <a:cs typeface="Cascadia Code" panose="020B0609020000020004" pitchFamily="49" charset="0"/>
               </a:rPr>
-              <a:t>t:PublishAsContainer</a:t>
+              <a:t>t:PublishContainer</a:t>
             </a:r>
             <a:endParaRPr lang="en-US" sz="2400" dirty="0">
               <a:solidFill>
@@ -29525,7 +29628,7 @@
                 <a:latin typeface="Consolas" panose="020B0609020204030204" pitchFamily="49" charset="0"/>
                 <a:cs typeface="Cascadia Code" panose="020B0609020000020004" pitchFamily="49" charset="0"/>
               </a:rPr>
-              <a:t>t:PublishAsContainer</a:t>
+              <a:t>t:PublishContainer</a:t>
             </a:r>
             <a:r>
               <a:rPr lang="en-US" sz="2400" dirty="0">
@@ -29575,7 +29678,7 @@
                 <a:latin typeface="Consolas" panose="020B0609020204030204" pitchFamily="49" charset="0"/>
                 <a:cs typeface="Cascadia Code" panose="020B0609020000020004" pitchFamily="49" charset="0"/>
               </a:rPr>
-              <a:t>);latest”’</a:t>
+              <a:t>)”’</a:t>
             </a:r>
           </a:p>
         </p:txBody>
@@ -29595,10 +29698,10 @@
           <p:nvPr/>
         </p:nvPicPr>
         <p:blipFill>
-          <a:blip r:embed="rId2">
+          <a:blip r:embed="rId3">
             <a:extLst>
               <a:ext uri="{96DAC541-7B7A-43D3-8B79-37D633B846F1}">
-                <asvg:svgBlip xmlns:asvg="http://schemas.microsoft.com/office/drawing/2016/SVG/main" r:embed="rId3"/>
+                <asvg:svgBlip xmlns:asvg="http://schemas.microsoft.com/office/drawing/2016/SVG/main" r:embed="rId4"/>
               </a:ext>
             </a:extLst>
           </a:blip>
@@ -29996,7 +30099,7 @@
                 <a:latin typeface="Consolas" panose="020B0609020204030204" pitchFamily="49" charset="0"/>
                 <a:cs typeface="Cascadia Code" panose="020B0609020000020004" pitchFamily="49" charset="0"/>
               </a:rPr>
-              <a:t>t:PublishAsContainer</a:t>
+              <a:t>t:PublishContainer</a:t>
             </a:r>
             <a:r>
               <a:rPr lang="en-US" sz="2400" dirty="0">

--- a/dotnet-containers-at-caseys.pptx
+++ b/dotnet-containers-at-caseys.pptx
@@ -29658,7 +29658,7 @@
                 <a:latin typeface="Consolas" panose="020B0609020204030204" pitchFamily="49" charset="0"/>
                 <a:cs typeface="Cascadia Code" panose="020B0609020000020004" pitchFamily="49" charset="0"/>
               </a:rPr>
-              <a:t>=‘”$(</a:t>
+              <a:t>=‘\”$(</a:t>
             </a:r>
             <a:r>
               <a:rPr lang="en-US" sz="2400" dirty="0" err="1">
@@ -29678,7 +29678,7 @@
                 <a:latin typeface="Consolas" panose="020B0609020204030204" pitchFamily="49" charset="0"/>
                 <a:cs typeface="Cascadia Code" panose="020B0609020000020004" pitchFamily="49" charset="0"/>
               </a:rPr>
-              <a:t>)”’</a:t>
+              <a:t>);latest\”’</a:t>
             </a:r>
           </a:p>
         </p:txBody>
@@ -30047,7 +30047,7 @@
         <p:spPr>
           <a:xfrm>
             <a:off x="916663" y="5130938"/>
-            <a:ext cx="10053873" cy="1569660"/>
+            <a:ext cx="10515600" cy="1569660"/>
           </a:xfrm>
           <a:prstGeom prst="rect">
             <a:avLst/>
@@ -30129,7 +30129,7 @@
                 <a:latin typeface="Consolas" panose="020B0609020204030204" pitchFamily="49" charset="0"/>
                 <a:cs typeface="Cascadia Code" panose="020B0609020000020004" pitchFamily="49" charset="0"/>
               </a:rPr>
-              <a:t>=‘”$(</a:t>
+              <a:t>=‘\”$(</a:t>
             </a:r>
             <a:r>
               <a:rPr lang="en-US" sz="2400" dirty="0" err="1">
@@ -30149,7 +30149,7 @@
                 <a:latin typeface="Consolas" panose="020B0609020204030204" pitchFamily="49" charset="0"/>
                 <a:cs typeface="Cascadia Code" panose="020B0609020000020004" pitchFamily="49" charset="0"/>
               </a:rPr>
-              <a:t>);latest”’</a:t>
+              <a:t>);latest\”’</a:t>
             </a:r>
           </a:p>
         </p:txBody>
